--- a/MHW2.pptx
+++ b/MHW2.pptx
@@ -18,8 +18,7 @@
     <p:sldId id="278" r:id="rId12"/>
     <p:sldId id="279" r:id="rId13"/>
     <p:sldId id="280" r:id="rId14"/>
-    <p:sldId id="281" r:id="rId15"/>
-    <p:sldId id="282" r:id="rId16"/>
+    <p:sldId id="282" r:id="rId15"/>
   </p:sldIdLst>
   <p:sldSz cx="12192000" cy="6858000"/>
   <p:notesSz cx="6858000" cy="9144000"/>
@@ -131,6 +130,7 @@
   <p1510:revLst>
     <p1510:client id="{72F0F39D-5C06-8C14-715F-903D5DBD2CAF}" v="1978" dt="2021-03-25T17:53:45.685"/>
     <p1510:client id="{BA2CC440-01AF-7008-3871-A9AD0D17155E}" v="6135" dt="2021-04-12T12:53:22.650"/>
+    <p1510:client id="{BAE6D494-F005-8426-1FD5-8C5699D4A1BE}" v="1" dt="2021-04-12T12:55:45.341"/>
     <p1510:client id="{FE2C99CC-4F47-4449-BF91-4F995258DC82}" v="5078" dt="2021-03-23T16:32:23.429"/>
   </p1510:revLst>
 </p1510:revInfo>
@@ -5733,660 +5733,6 @@
               <a:rPr lang="en-US" sz="3000" dirty="0">
                 <a:cs typeface="Calibri Light"/>
               </a:rPr>
-              <a:t>JS (find)</a:t>
-            </a:r>
-          </a:p>
-        </p:txBody>
-      </p:sp>
-      <p:sp>
-        <p:nvSpPr>
-          <p:cNvPr id="71" name="Rectangle 71">
-            <a:extLst>
-              <a:ext uri="{FF2B5EF4-FFF2-40B4-BE49-F238E27FC236}">
-                <a16:creationId xmlns:a16="http://schemas.microsoft.com/office/drawing/2014/main" id="{5E39A796-BE83-48B1-B33F-35C4A32AAB57}"/>
-              </a:ext>
-              <a:ext uri="{C183D7F6-B498-43B3-948B-1728B52AA6E4}">
-                <adec:decorative xmlns:adec="http://schemas.microsoft.com/office/drawing/2017/decorative" val="1"/>
-              </a:ext>
-            </a:extLst>
-          </p:cNvPr>
-          <p:cNvSpPr>
-            <a:spLocks noGrp="1" noRot="1" noChangeAspect="1" noMove="1" noResize="1" noEditPoints="1" noAdjustHandles="1" noChangeArrowheads="1" noChangeShapeType="1" noTextEdit="1"/>
-          </p:cNvSpPr>
-          <p:nvPr>
-            <p:extLst>
-              <p:ext uri="{386F3935-93C4-4BCD-93E2-E3B085C9AB24}">
-                <p16:designElem xmlns:p16="http://schemas.microsoft.com/office/powerpoint/2015/main" val="1"/>
-              </p:ext>
-            </p:extLst>
-          </p:nvPr>
-        </p:nvSpPr>
-        <p:spPr>
-          <a:xfrm>
-            <a:off x="4639056" y="0"/>
-            <a:ext cx="7552944" cy="6858000"/>
-          </a:xfrm>
-          <a:prstGeom prst="rect">
-            <a:avLst/>
-          </a:prstGeom>
-          <a:solidFill>
-            <a:srgbClr val="C8CACA"/>
-          </a:solidFill>
-          <a:ln>
-            <a:noFill/>
-          </a:ln>
-        </p:spPr>
-        <p:style>
-          <a:lnRef idx="2">
-            <a:schemeClr val="accent1">
-              <a:shade val="50000"/>
-            </a:schemeClr>
-          </a:lnRef>
-          <a:fillRef idx="1">
-            <a:schemeClr val="accent1"/>
-          </a:fillRef>
-          <a:effectRef idx="0">
-            <a:schemeClr val="accent1"/>
-          </a:effectRef>
-          <a:fontRef idx="minor">
-            <a:schemeClr val="lt1"/>
-          </a:fontRef>
-        </p:style>
-        <p:txBody>
-          <a:bodyPr rtlCol="0" anchor="ctr"/>
-          <a:lstStyle/>
-          <a:p>
-            <a:pPr algn="ctr"/>
-            <a:endParaRPr lang="en-US"/>
-          </a:p>
-        </p:txBody>
-      </p:sp>
-      <p:sp>
-        <p:nvSpPr>
-          <p:cNvPr id="73" name="Rounded Rectangle 9">
-            <a:extLst>
-              <a:ext uri="{FF2B5EF4-FFF2-40B4-BE49-F238E27FC236}">
-                <a16:creationId xmlns:a16="http://schemas.microsoft.com/office/drawing/2014/main" id="{72F84B47-E267-4194-8194-831DB7B5547F}"/>
-              </a:ext>
-              <a:ext uri="{C183D7F6-B498-43B3-948B-1728B52AA6E4}">
-                <adec:decorative xmlns:adec="http://schemas.microsoft.com/office/drawing/2017/decorative" val="1"/>
-              </a:ext>
-            </a:extLst>
-          </p:cNvPr>
-          <p:cNvSpPr>
-            <a:spLocks noGrp="1" noRot="1" noChangeAspect="1" noMove="1" noResize="1" noEditPoints="1" noAdjustHandles="1" noChangeArrowheads="1" noChangeShapeType="1" noTextEdit="1"/>
-          </p:cNvSpPr>
-          <p:nvPr>
-            <p:extLst>
-              <p:ext uri="{386F3935-93C4-4BCD-93E2-E3B085C9AB24}">
-                <p16:designElem xmlns:p16="http://schemas.microsoft.com/office/powerpoint/2015/main" val="1"/>
-              </p:ext>
-            </p:extLst>
-          </p:nvPr>
-        </p:nvSpPr>
-        <p:spPr>
-          <a:xfrm>
-            <a:off x="5123688" y="557784"/>
-            <a:ext cx="6584098" cy="5739187"/>
-          </a:xfrm>
-          <a:prstGeom prst="roundRect">
-            <a:avLst>
-              <a:gd name="adj" fmla="val 0"/>
-            </a:avLst>
-          </a:prstGeom>
-          <a:solidFill>
-            <a:srgbClr val="FFFFFF"/>
-          </a:solidFill>
-          <a:ln w="9525">
-            <a:solidFill>
-              <a:srgbClr val="C8CACA"/>
-            </a:solidFill>
-          </a:ln>
-          <a:effectLst>
-            <a:outerShdw blurRad="57150" dist="19050" dir="5400000" algn="t" rotWithShape="0">
-              <a:prstClr val="black">
-                <a:alpha val="63000"/>
-              </a:prstClr>
-            </a:outerShdw>
-          </a:effectLst>
-        </p:spPr>
-        <p:style>
-          <a:lnRef idx="2">
-            <a:schemeClr val="accent1">
-              <a:shade val="50000"/>
-            </a:schemeClr>
-          </a:lnRef>
-          <a:fillRef idx="1">
-            <a:schemeClr val="accent1"/>
-          </a:fillRef>
-          <a:effectRef idx="0">
-            <a:schemeClr val="accent1"/>
-          </a:effectRef>
-          <a:fontRef idx="minor">
-            <a:schemeClr val="lt1"/>
-          </a:fontRef>
-        </p:style>
-        <p:txBody>
-          <a:bodyPr rtlCol="0" anchor="ctr"/>
-          <a:lstStyle/>
-          <a:p>
-            <a:pPr algn="ctr"/>
-            <a:endParaRPr lang="en-US"/>
-          </a:p>
-        </p:txBody>
-      </p:sp>
-      <p:sp>
-        <p:nvSpPr>
-          <p:cNvPr id="5" name="Title 1">
-            <a:extLst>
-              <a:ext uri="{FF2B5EF4-FFF2-40B4-BE49-F238E27FC236}">
-                <a16:creationId xmlns:a16="http://schemas.microsoft.com/office/drawing/2014/main" id="{E32C72CA-455F-41B6-9AC7-F868F0F7CC62}"/>
-              </a:ext>
-            </a:extLst>
-          </p:cNvPr>
-          <p:cNvSpPr txBox="1">
-            <a:spLocks/>
-          </p:cNvSpPr>
-          <p:nvPr/>
-        </p:nvSpPr>
-        <p:spPr>
-          <a:xfrm>
-            <a:off x="476087" y="1487909"/>
-            <a:ext cx="3782132" cy="5059139"/>
-          </a:xfrm>
-          <a:prstGeom prst="rect">
-            <a:avLst/>
-          </a:prstGeom>
-        </p:spPr>
-        <p:txBody>
-          <a:bodyPr vert="horz" lIns="91440" tIns="45720" rIns="91440" bIns="45720" rtlCol="0" anchor="t">
-            <a:normAutofit/>
-          </a:bodyPr>
-          <a:lstStyle>
-            <a:lvl1pPr algn="l" defTabSz="914400" rtl="0" eaLnBrk="1" latinLnBrk="0" hangingPunct="1">
-              <a:lnSpc>
-                <a:spcPct val="90000"/>
-              </a:lnSpc>
-              <a:spcBef>
-                <a:spcPct val="0"/>
-              </a:spcBef>
-              <a:buNone/>
-              <a:defRPr sz="4400" kern="1200">
-                <a:solidFill>
-                  <a:schemeClr val="tx1"/>
-                </a:solidFill>
-                <a:latin typeface="+mj-lt"/>
-                <a:ea typeface="+mj-ea"/>
-                <a:cs typeface="+mj-cs"/>
-              </a:defRPr>
-            </a:lvl1pPr>
-          </a:lstStyle>
-          <a:p>
-            <a:r>
-              <a:rPr lang="en-US" sz="2600" dirty="0" err="1">
-                <a:cs typeface="Calibri Light"/>
-              </a:rPr>
-              <a:t>Funzione</a:t>
-            </a:r>
-            <a:r>
-              <a:rPr lang="en-US" sz="2600" dirty="0">
-                <a:cs typeface="Calibri Light"/>
-              </a:rPr>
-              <a:t> per la </a:t>
-            </a:r>
-            <a:r>
-              <a:rPr lang="en-US" sz="2600" dirty="0" err="1">
-                <a:cs typeface="Calibri Light"/>
-              </a:rPr>
-              <a:t>ricerca</a:t>
-            </a:r>
-            <a:r>
-              <a:rPr lang="en-US" sz="2600" dirty="0">
-                <a:cs typeface="Calibri Light"/>
-              </a:rPr>
-              <a:t> </a:t>
-            </a:r>
-            <a:r>
-              <a:rPr lang="en-US" sz="2600" dirty="0" err="1">
-                <a:cs typeface="Calibri Light"/>
-              </a:rPr>
-              <a:t>nelle</a:t>
-            </a:r>
-            <a:r>
-              <a:rPr lang="en-US" sz="2600" dirty="0">
-                <a:cs typeface="Calibri Light"/>
-              </a:rPr>
-              <a:t> </a:t>
-            </a:r>
-            <a:r>
-              <a:rPr lang="en-US" sz="2600" dirty="0" err="1">
-                <a:cs typeface="Calibri Light"/>
-              </a:rPr>
-              <a:t>singole</a:t>
-            </a:r>
-            <a:r>
-              <a:rPr lang="en-US" sz="2600" dirty="0">
-                <a:cs typeface="Calibri Light"/>
-              </a:rPr>
-              <a:t> </a:t>
-            </a:r>
-            <a:r>
-              <a:rPr lang="en-US" sz="2600" dirty="0" err="1">
-                <a:cs typeface="Calibri Light"/>
-              </a:rPr>
-              <a:t>sezioni</a:t>
-            </a:r>
-            <a:r>
-              <a:rPr lang="en-US" sz="2600" dirty="0">
-                <a:cs typeface="Calibri Light"/>
-              </a:rPr>
-              <a:t> </a:t>
-            </a:r>
-            <a:r>
-              <a:rPr lang="en-US" sz="2600" dirty="0" err="1">
-                <a:cs typeface="Calibri Light"/>
-              </a:rPr>
-              <a:t>dei</a:t>
-            </a:r>
-            <a:r>
-              <a:rPr lang="en-US" sz="2600" dirty="0">
-                <a:cs typeface="Calibri Light"/>
-              </a:rPr>
-              <a:t> </a:t>
-            </a:r>
-            <a:r>
-              <a:rPr lang="en-US" sz="2600" dirty="0" err="1">
-                <a:cs typeface="Calibri Light"/>
-              </a:rPr>
-              <a:t>contenuti</a:t>
-            </a:r>
-            <a:r>
-              <a:rPr lang="en-US" sz="2600" dirty="0">
-                <a:cs typeface="Calibri Light"/>
-              </a:rPr>
-              <a:t> (fitness/</a:t>
-            </a:r>
-            <a:r>
-              <a:rPr lang="en-US" sz="2600" dirty="0" err="1">
-                <a:cs typeface="Calibri Light"/>
-              </a:rPr>
-              <a:t>nuoto</a:t>
-            </a:r>
-            <a:r>
-              <a:rPr lang="en-US" sz="2600" dirty="0">
-                <a:cs typeface="Calibri Light"/>
-              </a:rPr>
-              <a:t>/</a:t>
-            </a:r>
-            <a:r>
-              <a:rPr lang="en-US" sz="2600" dirty="0" err="1">
-                <a:cs typeface="Calibri Light"/>
-              </a:rPr>
-              <a:t>benessere</a:t>
-            </a:r>
-            <a:r>
-              <a:rPr lang="en-US" sz="2600" dirty="0">
-                <a:cs typeface="Calibri Light"/>
-              </a:rPr>
-              <a:t>/</a:t>
-            </a:r>
-            <a:r>
-              <a:rPr lang="en-US" sz="2600" dirty="0" err="1">
-                <a:cs typeface="Calibri Light"/>
-              </a:rPr>
-              <a:t>artimarziali</a:t>
-            </a:r>
-            <a:r>
-              <a:rPr lang="en-US" sz="2600" dirty="0">
-                <a:cs typeface="Calibri Light"/>
-              </a:rPr>
-              <a:t>).</a:t>
-            </a:r>
-          </a:p>
-          <a:p>
-            <a:r>
-              <a:rPr lang="en-US" sz="2600" dirty="0" err="1">
-                <a:cs typeface="Calibri Light"/>
-              </a:rPr>
-              <a:t>Scorre</a:t>
-            </a:r>
-            <a:r>
-              <a:rPr lang="en-US" sz="2600" dirty="0">
-                <a:cs typeface="Calibri Light"/>
-              </a:rPr>
-              <a:t> </a:t>
-            </a:r>
-            <a:r>
-              <a:rPr lang="en-US" sz="2600" dirty="0" err="1">
-                <a:cs typeface="Calibri Light"/>
-              </a:rPr>
-              <a:t>fra</a:t>
-            </a:r>
-            <a:r>
-              <a:rPr lang="en-US" sz="2600" dirty="0">
-                <a:cs typeface="Calibri Light"/>
-              </a:rPr>
-              <a:t> I </a:t>
-            </a:r>
-            <a:r>
-              <a:rPr lang="en-US" sz="2600" dirty="0" err="1">
-                <a:cs typeface="Calibri Light"/>
-              </a:rPr>
-              <a:t>nomi</a:t>
-            </a:r>
-            <a:r>
-              <a:rPr lang="en-US" sz="2600" dirty="0">
-                <a:cs typeface="Calibri Light"/>
-              </a:rPr>
-              <a:t> </a:t>
-            </a:r>
-            <a:r>
-              <a:rPr lang="en-US" sz="2600" dirty="0" err="1">
-                <a:cs typeface="Calibri Light"/>
-              </a:rPr>
-              <a:t>dei</a:t>
-            </a:r>
-            <a:r>
-              <a:rPr lang="en-US" sz="2600" dirty="0">
-                <a:cs typeface="Calibri Light"/>
-              </a:rPr>
-              <a:t> </a:t>
-            </a:r>
-            <a:r>
-              <a:rPr lang="en-US" sz="2600" dirty="0" err="1">
-                <a:cs typeface="Calibri Light"/>
-              </a:rPr>
-              <a:t>corsi</a:t>
-            </a:r>
-            <a:r>
-              <a:rPr lang="en-US" sz="2600" dirty="0">
-                <a:cs typeface="Calibri Light"/>
-              </a:rPr>
-              <a:t> </a:t>
-            </a:r>
-            <a:r>
-              <a:rPr lang="en-US" sz="2600" dirty="0" err="1">
-                <a:cs typeface="Calibri Light"/>
-              </a:rPr>
-              <a:t>presenti</a:t>
-            </a:r>
-            <a:r>
-              <a:rPr lang="en-US" sz="2600" dirty="0">
-                <a:cs typeface="Calibri Light"/>
-              </a:rPr>
-              <a:t> </a:t>
-            </a:r>
-            <a:r>
-              <a:rPr lang="en-US" sz="2600" dirty="0" err="1">
-                <a:cs typeface="Calibri Light"/>
-              </a:rPr>
-              <a:t>nella</a:t>
-            </a:r>
-            <a:r>
-              <a:rPr lang="en-US" sz="2600" dirty="0">
-                <a:cs typeface="Calibri Light"/>
-              </a:rPr>
-              <a:t> </a:t>
-            </a:r>
-            <a:r>
-              <a:rPr lang="en-US" sz="2600" dirty="0" err="1">
-                <a:cs typeface="Calibri Light"/>
-              </a:rPr>
-              <a:t>sezione</a:t>
-            </a:r>
-            <a:r>
-              <a:rPr lang="en-US" sz="2600" dirty="0">
-                <a:cs typeface="Calibri Light"/>
-              </a:rPr>
-              <a:t> </a:t>
-            </a:r>
-            <a:r>
-              <a:rPr lang="en-US" sz="2600" dirty="0" err="1">
-                <a:cs typeface="Calibri Light"/>
-              </a:rPr>
-              <a:t>scelta</a:t>
-            </a:r>
-            <a:r>
-              <a:rPr lang="en-US" sz="2600" dirty="0">
-                <a:cs typeface="Calibri Light"/>
-              </a:rPr>
-              <a:t> e se il </a:t>
-            </a:r>
-            <a:r>
-              <a:rPr lang="en-US" sz="2600" dirty="0" err="1">
-                <a:cs typeface="Calibri Light"/>
-              </a:rPr>
-              <a:t>nome</a:t>
-            </a:r>
-            <a:r>
-              <a:rPr lang="en-US" sz="2600" dirty="0">
-                <a:cs typeface="Calibri Light"/>
-              </a:rPr>
-              <a:t> del </a:t>
-            </a:r>
-            <a:r>
-              <a:rPr lang="en-US" sz="2600" dirty="0" err="1">
-                <a:cs typeface="Calibri Light"/>
-              </a:rPr>
-              <a:t>corso</a:t>
-            </a:r>
-            <a:r>
-              <a:rPr lang="en-US" sz="2600" dirty="0">
-                <a:cs typeface="Calibri Light"/>
-              </a:rPr>
-              <a:t> di </a:t>
-            </a:r>
-            <a:r>
-              <a:rPr lang="en-US" sz="2600" dirty="0" err="1">
-                <a:cs typeface="Calibri Light"/>
-              </a:rPr>
-              <a:t>posizione</a:t>
-            </a:r>
-            <a:r>
-              <a:rPr lang="en-US" sz="2600" dirty="0">
-                <a:cs typeface="Calibri Light"/>
-              </a:rPr>
-              <a:t> [I] </a:t>
-            </a:r>
-            <a:r>
-              <a:rPr lang="en-US" sz="2600" dirty="0" err="1">
-                <a:cs typeface="Calibri Light"/>
-              </a:rPr>
-              <a:t>contiene</a:t>
-            </a:r>
-            <a:r>
-              <a:rPr lang="en-US" sz="2600" dirty="0">
-                <a:cs typeface="Calibri Light"/>
-              </a:rPr>
-              <a:t> </a:t>
-            </a:r>
-            <a:r>
-              <a:rPr lang="en-US" sz="2600" dirty="0" err="1">
-                <a:cs typeface="Calibri Light"/>
-              </a:rPr>
-              <a:t>ciò</a:t>
-            </a:r>
-            <a:r>
-              <a:rPr lang="en-US" sz="2600" dirty="0">
-                <a:cs typeface="Calibri Light"/>
-              </a:rPr>
-              <a:t> </a:t>
-            </a:r>
-            <a:r>
-              <a:rPr lang="en-US" sz="2600" dirty="0" err="1">
-                <a:cs typeface="Calibri Light"/>
-              </a:rPr>
-              <a:t>che</a:t>
-            </a:r>
-            <a:r>
-              <a:rPr lang="en-US" sz="2600" dirty="0">
-                <a:cs typeface="Calibri Light"/>
-              </a:rPr>
-              <a:t> è </a:t>
-            </a:r>
-            <a:r>
-              <a:rPr lang="en-US" sz="2600" dirty="0" err="1">
-                <a:cs typeface="Calibri Light"/>
-              </a:rPr>
-              <a:t>scritto</a:t>
-            </a:r>
-            <a:r>
-              <a:rPr lang="en-US" sz="2600" dirty="0">
-                <a:cs typeface="Calibri Light"/>
-              </a:rPr>
-              <a:t> </a:t>
-            </a:r>
-            <a:r>
-              <a:rPr lang="en-US" sz="2600" dirty="0" err="1">
-                <a:cs typeface="Calibri Light"/>
-              </a:rPr>
-              <a:t>nell'input</a:t>
-            </a:r>
-            <a:r>
-              <a:rPr lang="en-US" sz="2600" dirty="0">
-                <a:cs typeface="Calibri Light"/>
-              </a:rPr>
-              <a:t> lo </a:t>
-            </a:r>
-            <a:r>
-              <a:rPr lang="en-US" sz="2600" dirty="0" err="1">
-                <a:cs typeface="Calibri Light"/>
-              </a:rPr>
-              <a:t>mostra</a:t>
-            </a:r>
-            <a:r>
-              <a:rPr lang="en-US" sz="2600" dirty="0">
-                <a:cs typeface="Calibri Light"/>
-              </a:rPr>
-              <a:t>, </a:t>
-            </a:r>
-            <a:r>
-              <a:rPr lang="en-US" sz="2600" dirty="0" err="1">
-                <a:cs typeface="Calibri Light"/>
-              </a:rPr>
-              <a:t>sennò</a:t>
-            </a:r>
-            <a:r>
-              <a:rPr lang="en-US" sz="2600" dirty="0">
-                <a:cs typeface="Calibri Light"/>
-              </a:rPr>
-              <a:t> lo </a:t>
-            </a:r>
-            <a:r>
-              <a:rPr lang="en-US" sz="2600" dirty="0" err="1">
-                <a:cs typeface="Calibri Light"/>
-              </a:rPr>
-              <a:t>nasconde</a:t>
-            </a:r>
-            <a:r>
-              <a:rPr lang="en-US" sz="2600" dirty="0">
-                <a:cs typeface="Calibri Light"/>
-              </a:rPr>
-              <a:t>.</a:t>
-            </a:r>
-          </a:p>
-        </p:txBody>
-      </p:sp>
-      <p:pic>
-        <p:nvPicPr>
-          <p:cNvPr id="3" name="Picture 5" descr="Text&#10;&#10;Description automatically generated">
-            <a:extLst>
-              <a:ext uri="{FF2B5EF4-FFF2-40B4-BE49-F238E27FC236}">
-                <a16:creationId xmlns:a16="http://schemas.microsoft.com/office/drawing/2014/main" id="{DF7BF71C-5092-4DB0-B730-A2092868E55E}"/>
-              </a:ext>
-            </a:extLst>
-          </p:cNvPr>
-          <p:cNvPicPr>
-            <a:picLocks noChangeAspect="1"/>
-          </p:cNvPicPr>
-          <p:nvPr/>
-        </p:nvPicPr>
-        <p:blipFill>
-          <a:blip r:embed="rId2"/>
-          <a:stretch>
-            <a:fillRect/>
-          </a:stretch>
-        </p:blipFill>
-        <p:spPr>
-          <a:xfrm>
-            <a:off x="5123985" y="2170403"/>
-            <a:ext cx="6581078" cy="2684463"/>
-          </a:xfrm>
-          <a:prstGeom prst="rect">
-            <a:avLst/>
-          </a:prstGeom>
-        </p:spPr>
-      </p:pic>
-    </p:spTree>
-    <p:extLst>
-      <p:ext uri="{BB962C8B-B14F-4D97-AF65-F5344CB8AC3E}">
-        <p14:creationId xmlns:p14="http://schemas.microsoft.com/office/powerpoint/2010/main" val="1891246145"/>
-      </p:ext>
-    </p:extLst>
-  </p:cSld>
-  <p:clrMapOvr>
-    <a:masterClrMapping/>
-  </p:clrMapOvr>
-</p:sld>
-</file>
-
-<file path=ppt/slides/slide15.xml><?xml version="1.0" encoding="utf-8"?>
-<p:sld xmlns:a="http://schemas.openxmlformats.org/drawingml/2006/main" xmlns:r="http://schemas.openxmlformats.org/officeDocument/2006/relationships" xmlns:p="http://schemas.openxmlformats.org/presentationml/2006/main">
-  <p:cSld>
-    <p:bg>
-      <p:bgPr>
-        <a:solidFill>
-          <a:schemeClr val="bg1"/>
-        </a:solidFill>
-        <a:effectLst/>
-      </p:bgPr>
-    </p:bg>
-    <p:spTree>
-      <p:nvGrpSpPr>
-        <p:cNvPr id="1" name=""/>
-        <p:cNvGrpSpPr/>
-        <p:nvPr/>
-      </p:nvGrpSpPr>
-      <p:grpSpPr>
-        <a:xfrm>
-          <a:off x="0" y="0"/>
-          <a:ext cx="0" cy="0"/>
-          <a:chOff x="0" y="0"/>
-          <a:chExt cx="0" cy="0"/>
-        </a:xfrm>
-      </p:grpSpPr>
-      <p:sp>
-        <p:nvSpPr>
-          <p:cNvPr id="2" name="Title 1">
-            <a:extLst>
-              <a:ext uri="{FF2B5EF4-FFF2-40B4-BE49-F238E27FC236}">
-                <a16:creationId xmlns:a16="http://schemas.microsoft.com/office/drawing/2014/main" id="{ED8B7CD0-070A-46C9-80FD-24BBC25E7B10}"/>
-              </a:ext>
-            </a:extLst>
-          </p:cNvPr>
-          <p:cNvSpPr>
-            <a:spLocks noGrp="1"/>
-          </p:cNvSpPr>
-          <p:nvPr>
-            <p:ph type="title"/>
-          </p:nvPr>
-        </p:nvSpPr>
-        <p:spPr>
-          <a:xfrm>
-            <a:off x="648930" y="629266"/>
-            <a:ext cx="3605572" cy="858847"/>
-          </a:xfrm>
-        </p:spPr>
-        <p:txBody>
-          <a:bodyPr vert="horz" lIns="91440" tIns="45720" rIns="91440" bIns="45720" rtlCol="0" anchor="ctr">
-            <a:noAutofit/>
-          </a:bodyPr>
-          <a:lstStyle/>
-          <a:p>
-            <a:r>
-              <a:rPr lang="en-US" sz="3000" dirty="0">
-                <a:cs typeface="Calibri Light"/>
-              </a:rPr>
               <a:t>JS (</a:t>
             </a:r>
             <a:r>
